--- a/Archived/Poster VOR/Poster VOR wide.pptx
+++ b/Archived/Poster VOR/Poster VOR wide.pptx
@@ -243,7 +243,7 @@
           <a:p>
             <a:fld id="{AF6E2C4D-7DF4-4297-A68E-EE86BF1C1B37}" type="datetimeFigureOut">
               <a:rPr lang="de-DE" smtClean="0"/>
-              <a:t>03.05.2020</a:t>
+              <a:t>01.06.2020</a:t>
             </a:fld>
             <a:endParaRPr lang="de-DE"/>
           </a:p>
@@ -413,7 +413,7 @@
           <a:p>
             <a:fld id="{AF6E2C4D-7DF4-4297-A68E-EE86BF1C1B37}" type="datetimeFigureOut">
               <a:rPr lang="de-DE" smtClean="0"/>
-              <a:t>03.05.2020</a:t>
+              <a:t>01.06.2020</a:t>
             </a:fld>
             <a:endParaRPr lang="de-DE"/>
           </a:p>
@@ -593,7 +593,7 @@
           <a:p>
             <a:fld id="{AF6E2C4D-7DF4-4297-A68E-EE86BF1C1B37}" type="datetimeFigureOut">
               <a:rPr lang="de-DE" smtClean="0"/>
-              <a:t>03.05.2020</a:t>
+              <a:t>01.06.2020</a:t>
             </a:fld>
             <a:endParaRPr lang="de-DE"/>
           </a:p>
@@ -763,7 +763,7 @@
           <a:p>
             <a:fld id="{AF6E2C4D-7DF4-4297-A68E-EE86BF1C1B37}" type="datetimeFigureOut">
               <a:rPr lang="de-DE" smtClean="0"/>
-              <a:t>03.05.2020</a:t>
+              <a:t>01.06.2020</a:t>
             </a:fld>
             <a:endParaRPr lang="de-DE"/>
           </a:p>
@@ -1009,7 +1009,7 @@
           <a:p>
             <a:fld id="{AF6E2C4D-7DF4-4297-A68E-EE86BF1C1B37}" type="datetimeFigureOut">
               <a:rPr lang="de-DE" smtClean="0"/>
-              <a:t>03.05.2020</a:t>
+              <a:t>01.06.2020</a:t>
             </a:fld>
             <a:endParaRPr lang="de-DE"/>
           </a:p>
@@ -1241,7 +1241,7 @@
           <a:p>
             <a:fld id="{AF6E2C4D-7DF4-4297-A68E-EE86BF1C1B37}" type="datetimeFigureOut">
               <a:rPr lang="de-DE" smtClean="0"/>
-              <a:t>03.05.2020</a:t>
+              <a:t>01.06.2020</a:t>
             </a:fld>
             <a:endParaRPr lang="de-DE"/>
           </a:p>
@@ -1608,7 +1608,7 @@
           <a:p>
             <a:fld id="{AF6E2C4D-7DF4-4297-A68E-EE86BF1C1B37}" type="datetimeFigureOut">
               <a:rPr lang="de-DE" smtClean="0"/>
-              <a:t>03.05.2020</a:t>
+              <a:t>01.06.2020</a:t>
             </a:fld>
             <a:endParaRPr lang="de-DE"/>
           </a:p>
@@ -1726,7 +1726,7 @@
           <a:p>
             <a:fld id="{AF6E2C4D-7DF4-4297-A68E-EE86BF1C1B37}" type="datetimeFigureOut">
               <a:rPr lang="de-DE" smtClean="0"/>
-              <a:t>03.05.2020</a:t>
+              <a:t>01.06.2020</a:t>
             </a:fld>
             <a:endParaRPr lang="de-DE"/>
           </a:p>
@@ -1821,7 +1821,7 @@
           <a:p>
             <a:fld id="{AF6E2C4D-7DF4-4297-A68E-EE86BF1C1B37}" type="datetimeFigureOut">
               <a:rPr lang="de-DE" smtClean="0"/>
-              <a:t>03.05.2020</a:t>
+              <a:t>01.06.2020</a:t>
             </a:fld>
             <a:endParaRPr lang="de-DE"/>
           </a:p>
@@ -2098,7 +2098,7 @@
           <a:p>
             <a:fld id="{AF6E2C4D-7DF4-4297-A68E-EE86BF1C1B37}" type="datetimeFigureOut">
               <a:rPr lang="de-DE" smtClean="0"/>
-              <a:t>03.05.2020</a:t>
+              <a:t>01.06.2020</a:t>
             </a:fld>
             <a:endParaRPr lang="de-DE"/>
           </a:p>
@@ -2355,7 +2355,7 @@
           <a:p>
             <a:fld id="{AF6E2C4D-7DF4-4297-A68E-EE86BF1C1B37}" type="datetimeFigureOut">
               <a:rPr lang="de-DE" smtClean="0"/>
-              <a:t>03.05.2020</a:t>
+              <a:t>01.06.2020</a:t>
             </a:fld>
             <a:endParaRPr lang="de-DE"/>
           </a:p>
@@ -2568,7 +2568,7 @@
           <a:p>
             <a:fld id="{AF6E2C4D-7DF4-4297-A68E-EE86BF1C1B37}" type="datetimeFigureOut">
               <a:rPr lang="de-DE" smtClean="0"/>
-              <a:t>03.05.2020</a:t>
+              <a:t>01.06.2020</a:t>
             </a:fld>
             <a:endParaRPr lang="de-DE"/>
           </a:p>
@@ -3031,7 +3031,7 @@
                   <a:schemeClr val="bg1"/>
                 </a:solidFill>
               </a:rPr>
-              <a:t>Incomplete Compensation for Self-Motion in the Visual Perception of Object Velocity during a Visual-Vestibular Conflict</a:t>
+              <a:t>Incomplete Compensation for Visual Self-Motion in the Perception of Object Velocity</a:t>
             </a:r>
           </a:p>
           <a:p>
@@ -3262,14 +3262,14 @@
           </a:ln>
           <a:extLst>
             <a:ext uri="{909E8E84-426E-40dd-AFC4-6F175D3DCCD1}">
-              <a14:hiddenFill xmlns:a14="http://schemas.microsoft.com/office/drawing/2010/main" xmlns="">
+              <a14:hiddenFill xmlns="" xmlns:a14="http://schemas.microsoft.com/office/drawing/2010/main">
                 <a:solidFill>
                   <a:srgbClr val="FFFFFF"/>
                 </a:solidFill>
               </a14:hiddenFill>
             </a:ext>
             <a:ext uri="{91240B29-F687-4f45-9708-019B960494DF}">
-              <a14:hiddenLine xmlns:a14="http://schemas.microsoft.com/office/drawing/2010/main" xmlns="" w="9525">
+              <a14:hiddenLine xmlns="" xmlns:a14="http://schemas.microsoft.com/office/drawing/2010/main" w="9525">
                 <a:solidFill>
                   <a:srgbClr val="000000"/>
                 </a:solidFill>
@@ -3345,14 +3345,14 @@
             </a:ln>
             <a:extLst>
               <a:ext uri="{909E8E84-426E-40dd-AFC4-6F175D3DCCD1}">
-                <a14:hiddenFill xmlns:a14="http://schemas.microsoft.com/office/drawing/2010/main" xmlns="">
+                <a14:hiddenFill xmlns="" xmlns:a14="http://schemas.microsoft.com/office/drawing/2010/main">
                   <a:solidFill>
                     <a:srgbClr val="FFFFFF"/>
                   </a:solidFill>
                 </a14:hiddenFill>
               </a:ext>
               <a:ext uri="{91240B29-F687-4f45-9708-019B960494DF}">
-                <a14:hiddenLine xmlns:a14="http://schemas.microsoft.com/office/drawing/2010/main" xmlns="" w="9525">
+                <a14:hiddenLine xmlns="" xmlns:a14="http://schemas.microsoft.com/office/drawing/2010/main" w="9525">
                   <a:solidFill>
                     <a:srgbClr val="000000"/>
                   </a:solidFill>
@@ -3405,14 +3405,14 @@
             </a:ln>
             <a:extLst>
               <a:ext uri="{909E8E84-426E-40dd-AFC4-6F175D3DCCD1}">
-                <a14:hiddenFill xmlns:a14="http://schemas.microsoft.com/office/drawing/2010/main" xmlns="">
+                <a14:hiddenFill xmlns="" xmlns:a14="http://schemas.microsoft.com/office/drawing/2010/main">
                   <a:solidFill>
                     <a:srgbClr val="FFFFFF"/>
                   </a:solidFill>
                 </a14:hiddenFill>
               </a:ext>
               <a:ext uri="{91240B29-F687-4f45-9708-019B960494DF}">
-                <a14:hiddenLine xmlns:a14="http://schemas.microsoft.com/office/drawing/2010/main" xmlns="" w="9525">
+                <a14:hiddenLine xmlns="" xmlns:a14="http://schemas.microsoft.com/office/drawing/2010/main" w="9525">
                   <a:solidFill>
                     <a:srgbClr val="000000"/>
                   </a:solidFill>
@@ -3466,14 +3466,14 @@
           </a:ln>
           <a:extLst>
             <a:ext uri="{909E8E84-426E-40dd-AFC4-6F175D3DCCD1}">
-              <a14:hiddenFill xmlns:a14="http://schemas.microsoft.com/office/drawing/2010/main" xmlns="">
+              <a14:hiddenFill xmlns="" xmlns:a14="http://schemas.microsoft.com/office/drawing/2010/main">
                 <a:solidFill>
                   <a:srgbClr val="FFFFFF"/>
                 </a:solidFill>
               </a14:hiddenFill>
             </a:ext>
             <a:ext uri="{91240B29-F687-4f45-9708-019B960494DF}">
-              <a14:hiddenLine xmlns:a14="http://schemas.microsoft.com/office/drawing/2010/main" xmlns="" w="9525">
+              <a14:hiddenLine xmlns="" xmlns:a14="http://schemas.microsoft.com/office/drawing/2010/main" w="9525">
                 <a:solidFill>
                   <a:srgbClr val="000000"/>
                 </a:solidFill>
